--- a/sec3/TDI_poster.pptx
+++ b/sec3/TDI_poster.pptx
@@ -208,7 +208,7 @@
           <a:p>
             <a:fld id="{5D9124B4-7950-9143-B8B8-140FCE3FDA60}" type="datetimeFigureOut">
               <a:rPr lang="en-US" smtClean="0"/>
-              <a:t>11/11/18</a:t>
+              <a:t>11/12/18</a:t>
             </a:fld>
             <a:endParaRPr lang="en-US"/>
           </a:p>
@@ -691,7 +691,7 @@
           <a:p>
             <a:fld id="{32262C51-5F92-4541-BFAE-6D93106B78F3}" type="datetimeFigureOut">
               <a:rPr lang="en-US" smtClean="0"/>
-              <a:t>11/11/18</a:t>
+              <a:t>11/12/18</a:t>
             </a:fld>
             <a:endParaRPr lang="en-US"/>
           </a:p>
@@ -856,7 +856,7 @@
           <a:p>
             <a:fld id="{32262C51-5F92-4541-BFAE-6D93106B78F3}" type="datetimeFigureOut">
               <a:rPr lang="en-US" smtClean="0"/>
-              <a:t>11/11/18</a:t>
+              <a:t>11/12/18</a:t>
             </a:fld>
             <a:endParaRPr lang="en-US"/>
           </a:p>
@@ -1031,7 +1031,7 @@
           <a:p>
             <a:fld id="{32262C51-5F92-4541-BFAE-6D93106B78F3}" type="datetimeFigureOut">
               <a:rPr lang="en-US" smtClean="0"/>
-              <a:t>11/11/18</a:t>
+              <a:t>11/12/18</a:t>
             </a:fld>
             <a:endParaRPr lang="en-US"/>
           </a:p>
@@ -1196,7 +1196,7 @@
           <a:p>
             <a:fld id="{32262C51-5F92-4541-BFAE-6D93106B78F3}" type="datetimeFigureOut">
               <a:rPr lang="en-US" smtClean="0"/>
-              <a:t>11/11/18</a:t>
+              <a:t>11/12/18</a:t>
             </a:fld>
             <a:endParaRPr lang="en-US"/>
           </a:p>
@@ -1435,7 +1435,7 @@
           <a:p>
             <a:fld id="{32262C51-5F92-4541-BFAE-6D93106B78F3}" type="datetimeFigureOut">
               <a:rPr lang="en-US" smtClean="0"/>
-              <a:t>11/11/18</a:t>
+              <a:t>11/12/18</a:t>
             </a:fld>
             <a:endParaRPr lang="en-US"/>
           </a:p>
@@ -1662,7 +1662,7 @@
           <a:p>
             <a:fld id="{32262C51-5F92-4541-BFAE-6D93106B78F3}" type="datetimeFigureOut">
               <a:rPr lang="en-US" smtClean="0"/>
-              <a:t>11/11/18</a:t>
+              <a:t>11/12/18</a:t>
             </a:fld>
             <a:endParaRPr lang="en-US"/>
           </a:p>
@@ -2024,7 +2024,7 @@
           <a:p>
             <a:fld id="{32262C51-5F92-4541-BFAE-6D93106B78F3}" type="datetimeFigureOut">
               <a:rPr lang="en-US" smtClean="0"/>
-              <a:t>11/11/18</a:t>
+              <a:t>11/12/18</a:t>
             </a:fld>
             <a:endParaRPr lang="en-US"/>
           </a:p>
@@ -2137,7 +2137,7 @@
           <a:p>
             <a:fld id="{32262C51-5F92-4541-BFAE-6D93106B78F3}" type="datetimeFigureOut">
               <a:rPr lang="en-US" smtClean="0"/>
-              <a:t>11/11/18</a:t>
+              <a:t>11/12/18</a:t>
             </a:fld>
             <a:endParaRPr lang="en-US"/>
           </a:p>
@@ -2227,7 +2227,7 @@
           <a:p>
             <a:fld id="{32262C51-5F92-4541-BFAE-6D93106B78F3}" type="datetimeFigureOut">
               <a:rPr lang="en-US" smtClean="0"/>
-              <a:t>11/11/18</a:t>
+              <a:t>11/12/18</a:t>
             </a:fld>
             <a:endParaRPr lang="en-US"/>
           </a:p>
@@ -2499,7 +2499,7 @@
           <a:p>
             <a:fld id="{32262C51-5F92-4541-BFAE-6D93106B78F3}" type="datetimeFigureOut">
               <a:rPr lang="en-US" smtClean="0"/>
-              <a:t>11/11/18</a:t>
+              <a:t>11/12/18</a:t>
             </a:fld>
             <a:endParaRPr lang="en-US"/>
           </a:p>
@@ -2751,7 +2751,7 @@
           <a:p>
             <a:fld id="{32262C51-5F92-4541-BFAE-6D93106B78F3}" type="datetimeFigureOut">
               <a:rPr lang="en-US" smtClean="0"/>
-              <a:t>11/11/18</a:t>
+              <a:t>11/12/18</a:t>
             </a:fld>
             <a:endParaRPr lang="en-US"/>
           </a:p>
@@ -2959,7 +2959,7 @@
           <a:p>
             <a:fld id="{32262C51-5F92-4541-BFAE-6D93106B78F3}" type="datetimeFigureOut">
               <a:rPr lang="en-US" smtClean="0"/>
-              <a:t>11/11/18</a:t>
+              <a:t>11/12/18</a:t>
             </a:fld>
             <a:endParaRPr lang="en-US"/>
           </a:p>
@@ -3480,17 +3480,6 @@
               </a:rPr>
               <a:t>-- Targeted for Game Companies and Game Players</a:t>
             </a:r>
-            <a:endParaRPr lang="en-US" sz="6000" b="1" dirty="0" smtClean="0">
-              <a:solidFill>
-                <a:schemeClr val="tx1">
-                  <a:lumMod val="65000"/>
-                  <a:lumOff val="35000"/>
-                </a:schemeClr>
-              </a:solidFill>
-              <a:latin typeface="Times New Roman" charset="0"/>
-              <a:ea typeface="Times New Roman" charset="0"/>
-              <a:cs typeface="Times New Roman" charset="0"/>
-            </a:endParaRPr>
           </a:p>
         </p:txBody>
       </p:sp>
@@ -3914,18 +3903,7 @@
                     <a:ea typeface="Times New Roman" charset="0"/>
                     <a:cs typeface="Times New Roman" charset="0"/>
                   </a:rPr>
-                  <a:t>Small </a:t>
-                </a:r>
-                <a:r>
-                  <a:rPr lang="en-US" sz="4800" dirty="0" smtClean="0">
-                    <a:solidFill>
-                      <a:srgbClr val="C00000"/>
-                    </a:solidFill>
-                    <a:latin typeface="Times New Roman" charset="0"/>
-                    <a:ea typeface="Times New Roman" charset="0"/>
-                    <a:cs typeface="Times New Roman" charset="0"/>
-                  </a:rPr>
-                  <a:t>companies </a:t>
+                  <a:t>Small companies </a:t>
                 </a:r>
                 <a:r>
                   <a:rPr lang="en-US" sz="4800" dirty="0" smtClean="0">
@@ -3967,16 +3945,19 @@
                     <a:ea typeface="Times New Roman" charset="0"/>
                     <a:cs typeface="Times New Roman" charset="0"/>
                   </a:rPr>
-                  <a:t>Gamer players</a:t>
+                  <a:t>Game </a:t>
                 </a:r>
-                <a:endParaRPr lang="en-US" sz="4800" dirty="0" smtClean="0">
-                  <a:solidFill>
-                    <a:srgbClr val="C00000"/>
-                  </a:solidFill>
-                  <a:latin typeface="Times New Roman" charset="0"/>
-                  <a:ea typeface="Times New Roman" charset="0"/>
-                  <a:cs typeface="Times New Roman" charset="0"/>
-                </a:endParaRPr>
+                <a:r>
+                  <a:rPr lang="en-US" sz="4800" dirty="0" smtClean="0">
+                    <a:solidFill>
+                      <a:srgbClr val="C00000"/>
+                    </a:solidFill>
+                    <a:latin typeface="Times New Roman" charset="0"/>
+                    <a:ea typeface="Times New Roman" charset="0"/>
+                    <a:cs typeface="Times New Roman" charset="0"/>
+                  </a:rPr>
+                  <a:t>players</a:t>
+                </a:r>
               </a:p>
               <a:p>
                 <a:pPr marL="323378" indent="-323378">
@@ -4057,7 +4038,35 @@
                     <a:ea typeface="Times New Roman" charset="0"/>
                     <a:cs typeface="Times New Roman" charset="0"/>
                   </a:rPr>
-                  <a:t>: customable research</a:t>
+                  <a:t>: </a:t>
+                </a:r>
+                <a:r>
+                  <a:rPr lang="en-US" sz="4800" dirty="0" smtClean="0">
+                    <a:solidFill>
+                      <a:schemeClr val="tx1">
+                        <a:lumMod val="75000"/>
+                        <a:lumOff val="25000"/>
+                      </a:schemeClr>
+                    </a:solidFill>
+                    <a:latin typeface="Times New Roman" charset="0"/>
+                    <a:ea typeface="Times New Roman" charset="0"/>
+                    <a:cs typeface="Times New Roman" charset="0"/>
+                  </a:rPr>
+                  <a:t>customizable </a:t>
+                </a:r>
+                <a:r>
+                  <a:rPr lang="en-US" sz="4800" dirty="0" smtClean="0">
+                    <a:solidFill>
+                      <a:schemeClr val="tx1">
+                        <a:lumMod val="75000"/>
+                        <a:lumOff val="25000"/>
+                      </a:schemeClr>
+                    </a:solidFill>
+                    <a:latin typeface="Times New Roman" charset="0"/>
+                    <a:ea typeface="Times New Roman" charset="0"/>
+                    <a:cs typeface="Times New Roman" charset="0"/>
+                  </a:rPr>
+                  <a:t>research</a:t>
                 </a:r>
                 <a:endParaRPr lang="en-US" sz="4800" dirty="0">
                   <a:solidFill>
@@ -4705,17 +4714,6 @@
               </a:rPr>
               <a:t>!</a:t>
             </a:r>
-            <a:endParaRPr lang="en-US" sz="4800" dirty="0">
-              <a:solidFill>
-                <a:schemeClr val="tx1">
-                  <a:lumMod val="75000"/>
-                  <a:lumOff val="25000"/>
-                </a:schemeClr>
-              </a:solidFill>
-              <a:latin typeface="Times New Roman" charset="0"/>
-              <a:ea typeface="Times New Roman" charset="0"/>
-              <a:cs typeface="Times New Roman" charset="0"/>
-            </a:endParaRPr>
           </a:p>
         </p:txBody>
       </p:sp>
@@ -5316,8 +5314,8 @@
           </a:prstGeom>
         </p:spPr>
       </p:pic>
-      <mc:AlternateContent xmlns:mc="http://schemas.openxmlformats.org/markup-compatibility/2006">
-        <mc:Choice xmlns:a14="http://schemas.microsoft.com/office/drawing/2010/main" Requires="a14">
+      <mc:AlternateContent xmlns:mc="http://schemas.openxmlformats.org/markup-compatibility/2006" xmlns:a14="http://schemas.microsoft.com/office/drawing/2010/main">
+        <mc:Choice Requires="a14">
           <p:sp>
             <p:nvSpPr>
               <p:cNvPr id="119" name="TextBox 118"/>
@@ -5547,7 +5545,7 @@
             </p:txBody>
           </p:sp>
         </mc:Choice>
-        <mc:Fallback>
+        <mc:Fallback xmlns="">
           <p:sp>
             <p:nvSpPr>
               <p:cNvPr id="119" name="TextBox 118"/>
@@ -5716,8 +5714,8 @@
           </a:prstGeom>
         </p:spPr>
       </p:pic>
-      <mc:AlternateContent xmlns:mc="http://schemas.openxmlformats.org/markup-compatibility/2006">
-        <mc:Choice xmlns:a14="http://schemas.microsoft.com/office/drawing/2010/main" Requires="a14">
+      <mc:AlternateContent xmlns:mc="http://schemas.openxmlformats.org/markup-compatibility/2006" xmlns:a14="http://schemas.microsoft.com/office/drawing/2010/main">
+        <mc:Choice Requires="a14">
           <p:sp>
             <p:nvSpPr>
               <p:cNvPr id="124" name="TextBox 123"/>
@@ -5815,7 +5813,7 @@
             </p:txBody>
           </p:sp>
         </mc:Choice>
-        <mc:Fallback>
+        <mc:Fallback xmlns="">
           <p:sp>
             <p:nvSpPr>
               <p:cNvPr id="124" name="TextBox 123"/>
@@ -7154,21 +7152,7 @@
                 <a:ea typeface="Times New Roman" charset="0"/>
                 <a:cs typeface="Times New Roman" charset="0"/>
               </a:rPr>
-              <a:t>Data Source</a:t>
-            </a:r>
-            <a:r>
-              <a:rPr lang="en-US" sz="5400" dirty="0" smtClean="0">
-                <a:solidFill>
-                  <a:schemeClr val="tx1">
-                    <a:lumMod val="75000"/>
-                    <a:lumOff val="25000"/>
-                  </a:schemeClr>
-                </a:solidFill>
-                <a:latin typeface="Times New Roman" charset="0"/>
-                <a:ea typeface="Times New Roman" charset="0"/>
-                <a:cs typeface="Times New Roman" charset="0"/>
-              </a:rPr>
-              <a:t>: </a:t>
+              <a:t>Data Source: </a:t>
             </a:r>
             <a:r>
               <a:rPr lang="en-US" sz="5400" dirty="0" smtClean="0">
@@ -7347,7 +7331,7 @@
         <p:spPr>
           <a:xfrm>
             <a:off x="15812532" y="41141391"/>
-            <a:ext cx="13739018" cy="1569660"/>
+            <a:ext cx="14136562" cy="1569660"/>
           </a:xfrm>
           <a:prstGeom prst="rect">
             <a:avLst/>
@@ -7436,7 +7420,29 @@
                 <a:ea typeface="Times New Roman" charset="0"/>
                 <a:cs typeface="Times New Roman" charset="0"/>
               </a:rPr>
-              <a:t>user customable plot</a:t>
+              <a:t>user </a:t>
+            </a:r>
+            <a:r>
+              <a:rPr lang="en-US" sz="4800" dirty="0" smtClean="0">
+                <a:solidFill>
+                  <a:srgbClr val="C00000"/>
+                </a:solidFill>
+                <a:latin typeface="Times New Roman" charset="0"/>
+                <a:ea typeface="Times New Roman" charset="0"/>
+                <a:cs typeface="Times New Roman" charset="0"/>
+              </a:rPr>
+              <a:t>customizable </a:t>
+            </a:r>
+            <a:r>
+              <a:rPr lang="en-US" sz="4800" dirty="0" smtClean="0">
+                <a:solidFill>
+                  <a:srgbClr val="C00000"/>
+                </a:solidFill>
+                <a:latin typeface="Times New Roman" charset="0"/>
+                <a:ea typeface="Times New Roman" charset="0"/>
+                <a:cs typeface="Times New Roman" charset="0"/>
+              </a:rPr>
+              <a:t>plot</a:t>
             </a:r>
           </a:p>
           <a:p>
@@ -7472,8 +7478,8 @@
           </a:p>
         </p:txBody>
       </p:sp>
-      <mc:AlternateContent xmlns:mc="http://schemas.openxmlformats.org/markup-compatibility/2006">
-        <mc:Choice xmlns:a14="http://schemas.microsoft.com/office/drawing/2010/main" Requires="a14">
+      <mc:AlternateContent xmlns:mc="http://schemas.openxmlformats.org/markup-compatibility/2006" xmlns:a14="http://schemas.microsoft.com/office/drawing/2010/main">
+        <mc:Choice Requires="a14">
           <p:sp>
             <p:nvSpPr>
               <p:cNvPr id="169" name="TextBox 168"/>
@@ -7571,7 +7577,7 @@
             </p:txBody>
           </p:sp>
         </mc:Choice>
-        <mc:Fallback>
+        <mc:Fallback xmlns="">
           <p:sp>
             <p:nvSpPr>
               <p:cNvPr id="169" name="TextBox 168"/>
@@ -7610,8 +7616,8 @@
           </p:sp>
         </mc:Fallback>
       </mc:AlternateContent>
-      <mc:AlternateContent xmlns:mc="http://schemas.openxmlformats.org/markup-compatibility/2006">
-        <mc:Choice xmlns:a14="http://schemas.microsoft.com/office/drawing/2010/main" Requires="a14">
+      <mc:AlternateContent xmlns:mc="http://schemas.openxmlformats.org/markup-compatibility/2006" xmlns:a14="http://schemas.microsoft.com/office/drawing/2010/main">
+        <mc:Choice Requires="a14">
           <p:sp>
             <p:nvSpPr>
               <p:cNvPr id="170" name="TextBox 169"/>
@@ -7709,7 +7715,7 @@
             </p:txBody>
           </p:sp>
         </mc:Choice>
-        <mc:Fallback>
+        <mc:Fallback xmlns="">
           <p:sp>
             <p:nvSpPr>
               <p:cNvPr id="170" name="TextBox 169"/>
